--- a/Lec5/Lec5.pptx
+++ b/Lec5/Lec5.pptx
@@ -5,14 +5,16 @@
     <p:sldMasterId id="2147483648" r:id="rId1"/>
   </p:sldMasterIdLst>
   <p:notesMasterIdLst>
-    <p:notesMasterId r:id="rId4"/>
+    <p:notesMasterId r:id="rId6"/>
   </p:notesMasterIdLst>
   <p:handoutMasterIdLst>
-    <p:handoutMasterId r:id="rId5"/>
+    <p:handoutMasterId r:id="rId7"/>
   </p:handoutMasterIdLst>
   <p:sldIdLst>
     <p:sldId id="414" r:id="rId2"/>
     <p:sldId id="911" r:id="rId3"/>
+    <p:sldId id="912" r:id="rId4"/>
+    <p:sldId id="913" r:id="rId5"/>
   </p:sldIdLst>
   <p:sldSz cx="12192000" cy="6858000"/>
   <p:notesSz cx="6858000" cy="9144000"/>
@@ -3968,13 +3970,13 @@
         <p:spPr/>
         <p:txBody>
           <a:bodyPr>
-            <a:normAutofit fontScale="85000" lnSpcReduction="20000"/>
+            <a:normAutofit fontScale="77500" lnSpcReduction="20000"/>
           </a:bodyPr>
           <a:lstStyle/>
           <a:p>
             <a:r>
               <a:rPr lang="en-US" dirty="0"/>
-              <a:t>Bugs matter</a:t>
+              <a:t>Bugs matter (loss of lives, property, wasted time, poor user experience..)</a:t>
             </a:r>
           </a:p>
           <a:p>
@@ -4032,35 +4034,46 @@
           <a:p>
             <a:r>
               <a:rPr lang="en-US" dirty="0"/>
-              <a:t>Protocols baked into code are inscrutably complex</a:t>
+              <a:t>Protocols baked into code are inscrutably complex (hard to debug at that level)</a:t>
             </a:r>
           </a:p>
           <a:p>
             <a:pPr lvl="1"/>
             <a:r>
               <a:rPr lang="en-US" dirty="0"/>
-              <a:t>Build models</a:t>
+              <a:t>Build models (like executable blueprints – or like scale model of an airplane in a wind tunnel)</a:t>
             </a:r>
           </a:p>
           <a:p>
             <a:pPr lvl="2"/>
             <a:r>
               <a:rPr lang="en-US" dirty="0"/>
-              <a:t>Error-prone but can be gotten right</a:t>
+              <a:t>Error-prone but can be gotten right – readable rigorous specification!</a:t>
             </a:r>
           </a:p>
           <a:p>
             <a:pPr lvl="2"/>
             <a:r>
               <a:rPr lang="en-US" dirty="0"/>
-              <a:t>You’ll see the styles that matter + the extras (checks in SPIN) that help</a:t>
+              <a:t>You’ll see the styles that matter + the extras (checks in SPIN) that help </a:t>
+            </a:r>
+          </a:p>
+          <a:p>
+            <a:pPr lvl="3"/>
+            <a:r>
+              <a:rPr lang="en-US" dirty="0" err="1"/>
+              <a:t>Murphi’s</a:t>
+            </a:r>
+            <a:r>
+              <a:rPr lang="en-US" dirty="0"/>
+              <a:t> rule-style shines! – will later show the power of Table-based transition systems! (like Excel sheets)</a:t>
             </a:r>
           </a:p>
           <a:p>
             <a:pPr lvl="1"/>
             <a:r>
               <a:rPr lang="en-US" dirty="0"/>
-              <a:t>Then auto-generate C</a:t>
+              <a:t>Then auto-generate C or protocols – have MULTIPLE models (so we can check all vantage-points)</a:t>
             </a:r>
           </a:p>
           <a:p>
@@ -4103,6 +4116,256 @@
     <p:extLst>
       <p:ext uri="{BB962C8B-B14F-4D97-AF65-F5344CB8AC3E}">
         <p14:creationId xmlns:p14="http://schemas.microsoft.com/office/powerpoint/2010/main" val="519522893"/>
+      </p:ext>
+    </p:extLst>
+  </p:cSld>
+  <p:clrMapOvr>
+    <a:masterClrMapping/>
+  </p:clrMapOvr>
+</p:sld>
+</file>
+
+<file path=ppt/slides/slide3.xml><?xml version="1.0" encoding="utf-8"?>
+<p:sld xmlns:a="http://schemas.openxmlformats.org/drawingml/2006/main" xmlns:r="http://schemas.openxmlformats.org/officeDocument/2006/relationships" xmlns:p="http://schemas.openxmlformats.org/presentationml/2006/main">
+  <p:cSld>
+    <p:spTree>
+      <p:nvGrpSpPr>
+        <p:cNvPr id="1" name=""/>
+        <p:cNvGrpSpPr/>
+        <p:nvPr/>
+      </p:nvGrpSpPr>
+      <p:grpSpPr>
+        <a:xfrm>
+          <a:off x="0" y="0"/>
+          <a:ext cx="0" cy="0"/>
+          <a:chOff x="0" y="0"/>
+          <a:chExt cx="0" cy="0"/>
+        </a:xfrm>
+      </p:grpSpPr>
+      <p:sp>
+        <p:nvSpPr>
+          <p:cNvPr id="2" name="Title 1">
+            <a:extLst>
+              <a:ext uri="{FF2B5EF4-FFF2-40B4-BE49-F238E27FC236}">
+                <a16:creationId xmlns:a16="http://schemas.microsoft.com/office/drawing/2014/main" id="{5F0AA67D-7131-5148-9114-C2984902C98E}"/>
+              </a:ext>
+            </a:extLst>
+          </p:cNvPr>
+          <p:cNvSpPr>
+            <a:spLocks noGrp="1"/>
+          </p:cNvSpPr>
+          <p:nvPr>
+            <p:ph type="title"/>
+          </p:nvPr>
+        </p:nvSpPr>
+        <p:spPr/>
+        <p:txBody>
+          <a:bodyPr>
+            <a:normAutofit fontScale="90000"/>
+          </a:bodyPr>
+          <a:lstStyle/>
+          <a:p>
+            <a:r>
+              <a:rPr lang="en-US" dirty="0"/>
+              <a:t>Take it from the experts!</a:t>
+            </a:r>
+          </a:p>
+        </p:txBody>
+      </p:sp>
+      <p:sp>
+        <p:nvSpPr>
+          <p:cNvPr id="3" name="Content Placeholder 2">
+            <a:extLst>
+              <a:ext uri="{FF2B5EF4-FFF2-40B4-BE49-F238E27FC236}">
+                <a16:creationId xmlns:a16="http://schemas.microsoft.com/office/drawing/2014/main" id="{A2101E50-87C3-AF43-BF15-B19D15CF087F}"/>
+              </a:ext>
+            </a:extLst>
+          </p:cNvPr>
+          <p:cNvSpPr>
+            <a:spLocks noGrp="1"/>
+          </p:cNvSpPr>
+          <p:nvPr>
+            <p:ph idx="1"/>
+          </p:nvPr>
+        </p:nvSpPr>
+        <p:spPr/>
+        <p:txBody>
+          <a:bodyPr>
+            <a:normAutofit/>
+          </a:bodyPr>
+          <a:lstStyle/>
+          <a:p>
+            <a:r>
+              <a:rPr lang="en-US" dirty="0"/>
+              <a:t>Paul E. McKenney</a:t>
+            </a:r>
+          </a:p>
+          <a:p>
+            <a:pPr lvl="1"/>
+            <a:r>
+              <a:rPr lang="en-US" dirty="0"/>
+              <a:t>Top Linux Developer at IBM (now works for Facebook)</a:t>
+            </a:r>
+          </a:p>
+          <a:p>
+            <a:pPr lvl="1"/>
+            <a:r>
+              <a:rPr lang="en-US" dirty="0"/>
+              <a:t>Has authored a free book on parallel programming that he maintains</a:t>
+            </a:r>
+          </a:p>
+          <a:p>
+            <a:pPr lvl="2"/>
+            <a:r>
+              <a:rPr lang="en-US" dirty="0"/>
+              <a:t>A fantastic collection on (shared memory) parallel programming</a:t>
+            </a:r>
+          </a:p>
+          <a:p>
+            <a:pPr lvl="2"/>
+            <a:r>
+              <a:rPr lang="en-US" dirty="0">
+                <a:hlinkClick r:id="rId2"/>
+              </a:rPr>
+              <a:t>https://mirrors.edge.kernel.org/pub/linux/kernel/people/paulmck/perfbook/perfbook.2021.12.22a.pdf</a:t>
+            </a:r>
+            <a:r>
+              <a:rPr lang="en-US" dirty="0"/>
+              <a:t> </a:t>
+            </a:r>
+          </a:p>
+          <a:p>
+            <a:r>
+              <a:rPr lang="en-US" dirty="0"/>
+              <a:t>Look at its table of contents (next slide)</a:t>
+            </a:r>
+          </a:p>
+        </p:txBody>
+      </p:sp>
+    </p:spTree>
+    <p:extLst>
+      <p:ext uri="{BB962C8B-B14F-4D97-AF65-F5344CB8AC3E}">
+        <p14:creationId xmlns:p14="http://schemas.microsoft.com/office/powerpoint/2010/main" val="3834512886"/>
+      </p:ext>
+    </p:extLst>
+  </p:cSld>
+  <p:clrMapOvr>
+    <a:masterClrMapping/>
+  </p:clrMapOvr>
+</p:sld>
+</file>
+
+<file path=ppt/slides/slide4.xml><?xml version="1.0" encoding="utf-8"?>
+<p:sld xmlns:a="http://schemas.openxmlformats.org/drawingml/2006/main" xmlns:r="http://schemas.openxmlformats.org/officeDocument/2006/relationships" xmlns:p="http://schemas.openxmlformats.org/presentationml/2006/main">
+  <p:cSld>
+    <p:spTree>
+      <p:nvGrpSpPr>
+        <p:cNvPr id="1" name=""/>
+        <p:cNvGrpSpPr/>
+        <p:nvPr/>
+      </p:nvGrpSpPr>
+      <p:grpSpPr>
+        <a:xfrm>
+          <a:off x="0" y="0"/>
+          <a:ext cx="0" cy="0"/>
+          <a:chOff x="0" y="0"/>
+          <a:chExt cx="0" cy="0"/>
+        </a:xfrm>
+      </p:grpSpPr>
+      <p:sp>
+        <p:nvSpPr>
+          <p:cNvPr id="2" name="Title 1">
+            <a:extLst>
+              <a:ext uri="{FF2B5EF4-FFF2-40B4-BE49-F238E27FC236}">
+                <a16:creationId xmlns:a16="http://schemas.microsoft.com/office/drawing/2014/main" id="{5F0AA67D-7131-5148-9114-C2984902C98E}"/>
+              </a:ext>
+            </a:extLst>
+          </p:cNvPr>
+          <p:cNvSpPr>
+            <a:spLocks noGrp="1"/>
+          </p:cNvSpPr>
+          <p:nvPr>
+            <p:ph type="title"/>
+          </p:nvPr>
+        </p:nvSpPr>
+        <p:spPr/>
+        <p:txBody>
+          <a:bodyPr>
+            <a:normAutofit fontScale="90000"/>
+          </a:bodyPr>
+          <a:lstStyle/>
+          <a:p>
+            <a:r>
+              <a:rPr lang="en-US" dirty="0"/>
+              <a:t>Take it from the experts!</a:t>
+            </a:r>
+          </a:p>
+        </p:txBody>
+      </p:sp>
+      <p:pic>
+        <p:nvPicPr>
+          <p:cNvPr id="7" name="Picture 6" descr="Graphical user interface, text&#10;&#10;Description automatically generated">
+            <a:extLst>
+              <a:ext uri="{FF2B5EF4-FFF2-40B4-BE49-F238E27FC236}">
+                <a16:creationId xmlns:a16="http://schemas.microsoft.com/office/drawing/2014/main" id="{E3EE8A03-E28B-B447-BC9C-3BDB211315B2}"/>
+              </a:ext>
+            </a:extLst>
+          </p:cNvPr>
+          <p:cNvPicPr>
+            <a:picLocks noChangeAspect="1"/>
+          </p:cNvPicPr>
+          <p:nvPr/>
+        </p:nvPicPr>
+        <p:blipFill>
+          <a:blip r:embed="rId2"/>
+          <a:stretch>
+            <a:fillRect/>
+          </a:stretch>
+        </p:blipFill>
+        <p:spPr>
+          <a:xfrm>
+            <a:off x="0" y="1114583"/>
+            <a:ext cx="7610168" cy="4195770"/>
+          </a:xfrm>
+          <a:prstGeom prst="rect">
+            <a:avLst/>
+          </a:prstGeom>
+        </p:spPr>
+      </p:pic>
+      <p:pic>
+        <p:nvPicPr>
+          <p:cNvPr id="9" name="Picture 8" descr="Table&#10;&#10;Description automatically generated">
+            <a:extLst>
+              <a:ext uri="{FF2B5EF4-FFF2-40B4-BE49-F238E27FC236}">
+                <a16:creationId xmlns:a16="http://schemas.microsoft.com/office/drawing/2014/main" id="{4EB2785C-1830-184E-B54E-B305E679C220}"/>
+              </a:ext>
+            </a:extLst>
+          </p:cNvPr>
+          <p:cNvPicPr>
+            <a:picLocks noChangeAspect="1"/>
+          </p:cNvPicPr>
+          <p:nvPr/>
+        </p:nvPicPr>
+        <p:blipFill>
+          <a:blip r:embed="rId3"/>
+          <a:stretch>
+            <a:fillRect/>
+          </a:stretch>
+        </p:blipFill>
+        <p:spPr>
+          <a:xfrm>
+            <a:off x="5574890" y="2170375"/>
+            <a:ext cx="6617110" cy="4488462"/>
+          </a:xfrm>
+          <a:prstGeom prst="rect">
+            <a:avLst/>
+          </a:prstGeom>
+        </p:spPr>
+      </p:pic>
+    </p:spTree>
+    <p:extLst>
+      <p:ext uri="{BB962C8B-B14F-4D97-AF65-F5344CB8AC3E}">
+        <p14:creationId xmlns:p14="http://schemas.microsoft.com/office/powerpoint/2010/main" val="2063571234"/>
       </p:ext>
     </p:extLst>
   </p:cSld>

--- a/Lec5/Lec5.pptx
+++ b/Lec5/Lec5.pptx
@@ -5,16 +5,20 @@
     <p:sldMasterId id="2147483648" r:id="rId1"/>
   </p:sldMasterIdLst>
   <p:notesMasterIdLst>
-    <p:notesMasterId r:id="rId6"/>
+    <p:notesMasterId r:id="rId10"/>
   </p:notesMasterIdLst>
   <p:handoutMasterIdLst>
-    <p:handoutMasterId r:id="rId7"/>
+    <p:handoutMasterId r:id="rId11"/>
   </p:handoutMasterIdLst>
   <p:sldIdLst>
     <p:sldId id="414" r:id="rId2"/>
     <p:sldId id="911" r:id="rId3"/>
     <p:sldId id="912" r:id="rId4"/>
     <p:sldId id="913" r:id="rId5"/>
+    <p:sldId id="914" r:id="rId6"/>
+    <p:sldId id="915" r:id="rId7"/>
+    <p:sldId id="916" r:id="rId8"/>
+    <p:sldId id="917" r:id="rId9"/>
   </p:sldIdLst>
   <p:sldSz cx="12192000" cy="6858000"/>
   <p:notesSz cx="6858000" cy="9144000"/>
@@ -3796,7 +3800,7 @@
           </a:ln>
           <a:extLst>
             <a:ext uri="{C572A759-6A51-4108-AA02-DFA0A04FC94B}">
-              <ma14:wrappingTextBoxFlag xmlns:ma14="http://schemas.microsoft.com/office/mac/drawingml/2011/main" xmlns="" val="1"/>
+              <ma14:wrappingTextBoxFlag xmlns="" xmlns:ma14="http://schemas.microsoft.com/office/mac/drawingml/2011/main" val="1"/>
             </a:ext>
           </a:extLst>
         </p:spPr>
@@ -4366,6 +4370,402 @@
     <p:extLst>
       <p:ext uri="{BB962C8B-B14F-4D97-AF65-F5344CB8AC3E}">
         <p14:creationId xmlns:p14="http://schemas.microsoft.com/office/powerpoint/2010/main" val="2063571234"/>
+      </p:ext>
+    </p:extLst>
+  </p:cSld>
+  <p:clrMapOvr>
+    <a:masterClrMapping/>
+  </p:clrMapOvr>
+</p:sld>
+</file>
+
+<file path=ppt/slides/slide5.xml><?xml version="1.0" encoding="utf-8"?>
+<p:sld xmlns:a="http://schemas.openxmlformats.org/drawingml/2006/main" xmlns:r="http://schemas.openxmlformats.org/officeDocument/2006/relationships" xmlns:p="http://schemas.openxmlformats.org/presentationml/2006/main">
+  <p:cSld>
+    <p:spTree>
+      <p:nvGrpSpPr>
+        <p:cNvPr id="1" name=""/>
+        <p:cNvGrpSpPr/>
+        <p:nvPr/>
+      </p:nvGrpSpPr>
+      <p:grpSpPr>
+        <a:xfrm>
+          <a:off x="0" y="0"/>
+          <a:ext cx="0" cy="0"/>
+          <a:chOff x="0" y="0"/>
+          <a:chExt cx="0" cy="0"/>
+        </a:xfrm>
+      </p:grpSpPr>
+      <p:pic>
+        <p:nvPicPr>
+          <p:cNvPr id="4" name="Picture 3" descr="Text&#10;&#10;Description automatically generated">
+            <a:extLst>
+              <a:ext uri="{FF2B5EF4-FFF2-40B4-BE49-F238E27FC236}">
+                <a16:creationId xmlns:a16="http://schemas.microsoft.com/office/drawing/2014/main" id="{34E152D9-4AAB-6441-BE11-CD6FEC5A4BD9}"/>
+              </a:ext>
+            </a:extLst>
+          </p:cNvPr>
+          <p:cNvPicPr>
+            <a:picLocks noChangeAspect="1"/>
+          </p:cNvPicPr>
+          <p:nvPr/>
+        </p:nvPicPr>
+        <p:blipFill>
+          <a:blip r:embed="rId2"/>
+          <a:stretch>
+            <a:fillRect/>
+          </a:stretch>
+        </p:blipFill>
+        <p:spPr>
+          <a:xfrm>
+            <a:off x="2319647" y="0"/>
+            <a:ext cx="7552706" cy="6858000"/>
+          </a:xfrm>
+          <a:prstGeom prst="rect">
+            <a:avLst/>
+          </a:prstGeom>
+        </p:spPr>
+      </p:pic>
+      <p:sp>
+        <p:nvSpPr>
+          <p:cNvPr id="6" name="Title 5">
+            <a:extLst>
+              <a:ext uri="{FF2B5EF4-FFF2-40B4-BE49-F238E27FC236}">
+                <a16:creationId xmlns:a16="http://schemas.microsoft.com/office/drawing/2014/main" id="{41BFBB16-3CBA-8B46-9099-67EFD88A2B95}"/>
+              </a:ext>
+            </a:extLst>
+          </p:cNvPr>
+          <p:cNvSpPr>
+            <a:spLocks noGrp="1"/>
+          </p:cNvSpPr>
+          <p:nvPr>
+            <p:ph type="title"/>
+          </p:nvPr>
+        </p:nvSpPr>
+        <p:spPr>
+          <a:xfrm>
+            <a:off x="221225" y="365125"/>
+            <a:ext cx="1356851" cy="854075"/>
+          </a:xfrm>
+        </p:spPr>
+        <p:txBody>
+          <a:bodyPr>
+            <a:normAutofit/>
+          </a:bodyPr>
+          <a:lstStyle/>
+          <a:p>
+            <a:r>
+              <a:rPr lang="en-US" sz="2000" dirty="0" err="1"/>
+              <a:t>Dist</a:t>
+            </a:r>
+            <a:r>
+              <a:rPr lang="en-US" sz="2000" dirty="0"/>
+              <a:t> Term</a:t>
+            </a:r>
+          </a:p>
+        </p:txBody>
+      </p:sp>
+    </p:spTree>
+    <p:extLst>
+      <p:ext uri="{BB962C8B-B14F-4D97-AF65-F5344CB8AC3E}">
+        <p14:creationId xmlns:p14="http://schemas.microsoft.com/office/powerpoint/2010/main" val="1359037172"/>
+      </p:ext>
+    </p:extLst>
+  </p:cSld>
+  <p:clrMapOvr>
+    <a:masterClrMapping/>
+  </p:clrMapOvr>
+</p:sld>
+</file>
+
+<file path=ppt/slides/slide6.xml><?xml version="1.0" encoding="utf-8"?>
+<p:sld xmlns:a="http://schemas.openxmlformats.org/drawingml/2006/main" xmlns:r="http://schemas.openxmlformats.org/officeDocument/2006/relationships" xmlns:p="http://schemas.openxmlformats.org/presentationml/2006/main">
+  <p:cSld>
+    <p:spTree>
+      <p:nvGrpSpPr>
+        <p:cNvPr id="1" name=""/>
+        <p:cNvGrpSpPr/>
+        <p:nvPr/>
+      </p:nvGrpSpPr>
+      <p:grpSpPr>
+        <a:xfrm>
+          <a:off x="0" y="0"/>
+          <a:ext cx="0" cy="0"/>
+          <a:chOff x="0" y="0"/>
+          <a:chExt cx="0" cy="0"/>
+        </a:xfrm>
+      </p:grpSpPr>
+      <p:sp>
+        <p:nvSpPr>
+          <p:cNvPr id="6" name="Title 5">
+            <a:extLst>
+              <a:ext uri="{FF2B5EF4-FFF2-40B4-BE49-F238E27FC236}">
+                <a16:creationId xmlns:a16="http://schemas.microsoft.com/office/drawing/2014/main" id="{41BFBB16-3CBA-8B46-9099-67EFD88A2B95}"/>
+              </a:ext>
+            </a:extLst>
+          </p:cNvPr>
+          <p:cNvSpPr>
+            <a:spLocks noGrp="1"/>
+          </p:cNvSpPr>
+          <p:nvPr>
+            <p:ph type="title"/>
+          </p:nvPr>
+        </p:nvSpPr>
+        <p:spPr>
+          <a:xfrm>
+            <a:off x="221225" y="365125"/>
+            <a:ext cx="1356851" cy="854075"/>
+          </a:xfrm>
+        </p:spPr>
+        <p:txBody>
+          <a:bodyPr>
+            <a:normAutofit/>
+          </a:bodyPr>
+          <a:lstStyle/>
+          <a:p>
+            <a:r>
+              <a:rPr lang="en-US" sz="2000" dirty="0" err="1"/>
+              <a:t>Dist</a:t>
+            </a:r>
+            <a:r>
+              <a:rPr lang="en-US" sz="2000" dirty="0"/>
+              <a:t> Term</a:t>
+            </a:r>
+          </a:p>
+        </p:txBody>
+      </p:sp>
+      <p:pic>
+        <p:nvPicPr>
+          <p:cNvPr id="3" name="Picture 2" descr="Text&#10;&#10;Description automatically generated">
+            <a:extLst>
+              <a:ext uri="{FF2B5EF4-FFF2-40B4-BE49-F238E27FC236}">
+                <a16:creationId xmlns:a16="http://schemas.microsoft.com/office/drawing/2014/main" id="{987D319B-8E59-2D46-84C0-D5F0A75FE978}"/>
+              </a:ext>
+            </a:extLst>
+          </p:cNvPr>
+          <p:cNvPicPr>
+            <a:picLocks noChangeAspect="1"/>
+          </p:cNvPicPr>
+          <p:nvPr/>
+        </p:nvPicPr>
+        <p:blipFill>
+          <a:blip r:embed="rId2"/>
+          <a:stretch>
+            <a:fillRect/>
+          </a:stretch>
+        </p:blipFill>
+        <p:spPr>
+          <a:xfrm>
+            <a:off x="2145107" y="0"/>
+            <a:ext cx="7901786" cy="6858000"/>
+          </a:xfrm>
+          <a:prstGeom prst="rect">
+            <a:avLst/>
+          </a:prstGeom>
+        </p:spPr>
+      </p:pic>
+    </p:spTree>
+    <p:extLst>
+      <p:ext uri="{BB962C8B-B14F-4D97-AF65-F5344CB8AC3E}">
+        <p14:creationId xmlns:p14="http://schemas.microsoft.com/office/powerpoint/2010/main" val="989892708"/>
+      </p:ext>
+    </p:extLst>
+  </p:cSld>
+  <p:clrMapOvr>
+    <a:masterClrMapping/>
+  </p:clrMapOvr>
+</p:sld>
+</file>
+
+<file path=ppt/slides/slide7.xml><?xml version="1.0" encoding="utf-8"?>
+<p:sld xmlns:a="http://schemas.openxmlformats.org/drawingml/2006/main" xmlns:r="http://schemas.openxmlformats.org/officeDocument/2006/relationships" xmlns:p="http://schemas.openxmlformats.org/presentationml/2006/main">
+  <p:cSld>
+    <p:spTree>
+      <p:nvGrpSpPr>
+        <p:cNvPr id="1" name=""/>
+        <p:cNvGrpSpPr/>
+        <p:nvPr/>
+      </p:nvGrpSpPr>
+      <p:grpSpPr>
+        <a:xfrm>
+          <a:off x="0" y="0"/>
+          <a:ext cx="0" cy="0"/>
+          <a:chOff x="0" y="0"/>
+          <a:chExt cx="0" cy="0"/>
+        </a:xfrm>
+      </p:grpSpPr>
+      <p:sp>
+        <p:nvSpPr>
+          <p:cNvPr id="6" name="Title 5">
+            <a:extLst>
+              <a:ext uri="{FF2B5EF4-FFF2-40B4-BE49-F238E27FC236}">
+                <a16:creationId xmlns:a16="http://schemas.microsoft.com/office/drawing/2014/main" id="{41BFBB16-3CBA-8B46-9099-67EFD88A2B95}"/>
+              </a:ext>
+            </a:extLst>
+          </p:cNvPr>
+          <p:cNvSpPr>
+            <a:spLocks noGrp="1"/>
+          </p:cNvSpPr>
+          <p:nvPr>
+            <p:ph type="title"/>
+          </p:nvPr>
+        </p:nvSpPr>
+        <p:spPr>
+          <a:xfrm>
+            <a:off x="221225" y="365125"/>
+            <a:ext cx="1356851" cy="854075"/>
+          </a:xfrm>
+        </p:spPr>
+        <p:txBody>
+          <a:bodyPr>
+            <a:normAutofit/>
+          </a:bodyPr>
+          <a:lstStyle/>
+          <a:p>
+            <a:r>
+              <a:rPr lang="en-US" sz="2000" dirty="0" err="1"/>
+              <a:t>Dist</a:t>
+            </a:r>
+            <a:r>
+              <a:rPr lang="en-US" sz="2000" dirty="0"/>
+              <a:t> Term</a:t>
+            </a:r>
+          </a:p>
+        </p:txBody>
+      </p:sp>
+      <p:pic>
+        <p:nvPicPr>
+          <p:cNvPr id="5" name="Picture 4" descr="Text&#10;&#10;Description automatically generated">
+            <a:extLst>
+              <a:ext uri="{FF2B5EF4-FFF2-40B4-BE49-F238E27FC236}">
+                <a16:creationId xmlns:a16="http://schemas.microsoft.com/office/drawing/2014/main" id="{A0BCBCD2-F302-3E4B-B296-2BBFD22CEEEF}"/>
+              </a:ext>
+            </a:extLst>
+          </p:cNvPr>
+          <p:cNvPicPr>
+            <a:picLocks noChangeAspect="1"/>
+          </p:cNvPicPr>
+          <p:nvPr/>
+        </p:nvPicPr>
+        <p:blipFill>
+          <a:blip r:embed="rId2"/>
+          <a:stretch>
+            <a:fillRect/>
+          </a:stretch>
+        </p:blipFill>
+        <p:spPr>
+          <a:xfrm>
+            <a:off x="2548477" y="0"/>
+            <a:ext cx="7095046" cy="6858000"/>
+          </a:xfrm>
+          <a:prstGeom prst="rect">
+            <a:avLst/>
+          </a:prstGeom>
+        </p:spPr>
+      </p:pic>
+    </p:spTree>
+    <p:extLst>
+      <p:ext uri="{BB962C8B-B14F-4D97-AF65-F5344CB8AC3E}">
+        <p14:creationId xmlns:p14="http://schemas.microsoft.com/office/powerpoint/2010/main" val="390999932"/>
+      </p:ext>
+    </p:extLst>
+  </p:cSld>
+  <p:clrMapOvr>
+    <a:masterClrMapping/>
+  </p:clrMapOvr>
+</p:sld>
+</file>
+
+<file path=ppt/slides/slide8.xml><?xml version="1.0" encoding="utf-8"?>
+<p:sld xmlns:a="http://schemas.openxmlformats.org/drawingml/2006/main" xmlns:r="http://schemas.openxmlformats.org/officeDocument/2006/relationships" xmlns:p="http://schemas.openxmlformats.org/presentationml/2006/main">
+  <p:cSld>
+    <p:spTree>
+      <p:nvGrpSpPr>
+        <p:cNvPr id="1" name=""/>
+        <p:cNvGrpSpPr/>
+        <p:nvPr/>
+      </p:nvGrpSpPr>
+      <p:grpSpPr>
+        <a:xfrm>
+          <a:off x="0" y="0"/>
+          <a:ext cx="0" cy="0"/>
+          <a:chOff x="0" y="0"/>
+          <a:chExt cx="0" cy="0"/>
+        </a:xfrm>
+      </p:grpSpPr>
+      <p:sp>
+        <p:nvSpPr>
+          <p:cNvPr id="6" name="Title 5">
+            <a:extLst>
+              <a:ext uri="{FF2B5EF4-FFF2-40B4-BE49-F238E27FC236}">
+                <a16:creationId xmlns:a16="http://schemas.microsoft.com/office/drawing/2014/main" id="{41BFBB16-3CBA-8B46-9099-67EFD88A2B95}"/>
+              </a:ext>
+            </a:extLst>
+          </p:cNvPr>
+          <p:cNvSpPr>
+            <a:spLocks noGrp="1"/>
+          </p:cNvSpPr>
+          <p:nvPr>
+            <p:ph type="title"/>
+          </p:nvPr>
+        </p:nvSpPr>
+        <p:spPr>
+          <a:xfrm>
+            <a:off x="221225" y="365125"/>
+            <a:ext cx="1356851" cy="854075"/>
+          </a:xfrm>
+        </p:spPr>
+        <p:txBody>
+          <a:bodyPr>
+            <a:normAutofit/>
+          </a:bodyPr>
+          <a:lstStyle/>
+          <a:p>
+            <a:r>
+              <a:rPr lang="en-US" sz="2000" dirty="0" err="1"/>
+              <a:t>Dist</a:t>
+            </a:r>
+            <a:r>
+              <a:rPr lang="en-US" sz="2000" dirty="0"/>
+              <a:t> Term</a:t>
+            </a:r>
+          </a:p>
+        </p:txBody>
+      </p:sp>
+      <p:pic>
+        <p:nvPicPr>
+          <p:cNvPr id="3" name="Picture 2" descr="Text&#10;&#10;Description automatically generated">
+            <a:extLst>
+              <a:ext uri="{FF2B5EF4-FFF2-40B4-BE49-F238E27FC236}">
+                <a16:creationId xmlns:a16="http://schemas.microsoft.com/office/drawing/2014/main" id="{EB5913C8-BF64-7F45-85E8-51BD0293CBAA}"/>
+              </a:ext>
+            </a:extLst>
+          </p:cNvPr>
+          <p:cNvPicPr>
+            <a:picLocks noChangeAspect="1"/>
+          </p:cNvPicPr>
+          <p:nvPr/>
+        </p:nvPicPr>
+        <p:blipFill>
+          <a:blip r:embed="rId2"/>
+          <a:stretch>
+            <a:fillRect/>
+          </a:stretch>
+        </p:blipFill>
+        <p:spPr>
+          <a:xfrm>
+            <a:off x="2085258" y="0"/>
+            <a:ext cx="8021484" cy="6858000"/>
+          </a:xfrm>
+          <a:prstGeom prst="rect">
+            <a:avLst/>
+          </a:prstGeom>
+        </p:spPr>
+      </p:pic>
+    </p:spTree>
+    <p:extLst>
+      <p:ext uri="{BB962C8B-B14F-4D97-AF65-F5344CB8AC3E}">
+        <p14:creationId xmlns:p14="http://schemas.microsoft.com/office/powerpoint/2010/main" val="4005821420"/>
       </p:ext>
     </p:extLst>
   </p:cSld>
